--- a/Slides/Lecture 9.pptx
+++ b/Slides/Lecture 9.pptx
@@ -310,7 +310,7 @@
           <a:p>
             <a:fld id="{1CB48AD5-CDAE-4B7B-B49D-6DB81FF5A179}" type="datetimeFigureOut">
               <a:rPr lang="en-US" smtClean="0"/>
-              <a:t>10/13/2021</a:t>
+              <a:t>10/14/2021</a:t>
             </a:fld>
             <a:endParaRPr lang="en-US"/>
           </a:p>
@@ -724,7 +724,7 @@
           <a:p>
             <a:fld id="{C4959B56-7D6D-462F-B061-93C9E323EE8A}" type="datetimeFigureOut">
               <a:rPr lang="en-US" smtClean="0"/>
-              <a:t>10/13/2021</a:t>
+              <a:t>10/14/2021</a:t>
             </a:fld>
             <a:endParaRPr lang="en-US"/>
           </a:p>
@@ -922,7 +922,7 @@
           <a:p>
             <a:fld id="{C4959B56-7D6D-462F-B061-93C9E323EE8A}" type="datetimeFigureOut">
               <a:rPr lang="en-US" smtClean="0"/>
-              <a:t>10/13/2021</a:t>
+              <a:t>10/14/2021</a:t>
             </a:fld>
             <a:endParaRPr lang="en-US"/>
           </a:p>
@@ -1130,7 +1130,7 @@
           <a:p>
             <a:fld id="{C4959B56-7D6D-462F-B061-93C9E323EE8A}" type="datetimeFigureOut">
               <a:rPr lang="en-US" smtClean="0"/>
-              <a:t>10/13/2021</a:t>
+              <a:t>10/14/2021</a:t>
             </a:fld>
             <a:endParaRPr lang="en-US"/>
           </a:p>
@@ -1328,7 +1328,7 @@
           <a:p>
             <a:fld id="{C4959B56-7D6D-462F-B061-93C9E323EE8A}" type="datetimeFigureOut">
               <a:rPr lang="en-US" smtClean="0"/>
-              <a:t>10/13/2021</a:t>
+              <a:t>10/14/2021</a:t>
             </a:fld>
             <a:endParaRPr lang="en-US"/>
           </a:p>
@@ -1603,7 +1603,7 @@
           <a:p>
             <a:fld id="{C4959B56-7D6D-462F-B061-93C9E323EE8A}" type="datetimeFigureOut">
               <a:rPr lang="en-US" smtClean="0"/>
-              <a:t>10/13/2021</a:t>
+              <a:t>10/14/2021</a:t>
             </a:fld>
             <a:endParaRPr lang="en-US"/>
           </a:p>
@@ -1868,7 +1868,7 @@
           <a:p>
             <a:fld id="{C4959B56-7D6D-462F-B061-93C9E323EE8A}" type="datetimeFigureOut">
               <a:rPr lang="en-US" smtClean="0"/>
-              <a:t>10/13/2021</a:t>
+              <a:t>10/14/2021</a:t>
             </a:fld>
             <a:endParaRPr lang="en-US"/>
           </a:p>
@@ -2280,7 +2280,7 @@
           <a:p>
             <a:fld id="{C4959B56-7D6D-462F-B061-93C9E323EE8A}" type="datetimeFigureOut">
               <a:rPr lang="en-US" smtClean="0"/>
-              <a:t>10/13/2021</a:t>
+              <a:t>10/14/2021</a:t>
             </a:fld>
             <a:endParaRPr lang="en-US"/>
           </a:p>
@@ -2421,7 +2421,7 @@
           <a:p>
             <a:fld id="{C4959B56-7D6D-462F-B061-93C9E323EE8A}" type="datetimeFigureOut">
               <a:rPr lang="en-US" smtClean="0"/>
-              <a:t>10/13/2021</a:t>
+              <a:t>10/14/2021</a:t>
             </a:fld>
             <a:endParaRPr lang="en-US"/>
           </a:p>
@@ -2534,7 +2534,7 @@
           <a:p>
             <a:fld id="{C4959B56-7D6D-462F-B061-93C9E323EE8A}" type="datetimeFigureOut">
               <a:rPr lang="en-US" smtClean="0"/>
-              <a:t>10/13/2021</a:t>
+              <a:t>10/14/2021</a:t>
             </a:fld>
             <a:endParaRPr lang="en-US"/>
           </a:p>
@@ -2845,7 +2845,7 @@
           <a:p>
             <a:fld id="{C4959B56-7D6D-462F-B061-93C9E323EE8A}" type="datetimeFigureOut">
               <a:rPr lang="en-US" smtClean="0"/>
-              <a:t>10/13/2021</a:t>
+              <a:t>10/14/2021</a:t>
             </a:fld>
             <a:endParaRPr lang="en-US"/>
           </a:p>
@@ -3133,7 +3133,7 @@
           <a:p>
             <a:fld id="{C4959B56-7D6D-462F-B061-93C9E323EE8A}" type="datetimeFigureOut">
               <a:rPr lang="en-US" smtClean="0"/>
-              <a:t>10/13/2021</a:t>
+              <a:t>10/14/2021</a:t>
             </a:fld>
             <a:endParaRPr lang="en-US"/>
           </a:p>
@@ -3374,7 +3374,7 @@
           <a:p>
             <a:fld id="{C4959B56-7D6D-462F-B061-93C9E323EE8A}" type="datetimeFigureOut">
               <a:rPr lang="en-US" smtClean="0"/>
-              <a:t>10/13/2021</a:t>
+              <a:t>10/14/2021</a:t>
             </a:fld>
             <a:endParaRPr lang="en-US"/>
           </a:p>
@@ -5471,7 +5471,7 @@
                       <a:schemeClr val="accent1"/>
                     </a:solidFill>
                   </a:rPr>
-                  <a:t>For undirected graphs, the number of edges is </a:t>
+                  <a:t>For undirected graphs, the number of inspections is </a:t>
                 </a:r>
                 <a14:m>
                   <m:oMath xmlns:m="http://schemas.openxmlformats.org/officeDocument/2006/math">
@@ -5514,7 +5514,7 @@
                       <a:schemeClr val="accent1"/>
                     </a:solidFill>
                   </a:rPr>
-                  <a:t>           For directed graphs, the number of edges is </a:t>
+                  <a:t>           For directed graphs, the number of inspections is </a:t>
                 </a:r>
                 <a14:m>
                   <m:oMath xmlns:m="http://schemas.openxmlformats.org/officeDocument/2006/math">
@@ -6053,7 +6053,17 @@
                         <a:latin typeface="Cambria Math" panose="02040503050406030204" pitchFamily="18" charset="0"/>
                         <a:ea typeface="Cambria Math" panose="02040503050406030204" pitchFamily="18" charset="0"/>
                       </a:rPr>
-                      <m:t>+1</m:t>
+                      <m:t>+</m:t>
+                    </m:r>
+                    <m:r>
+                      <a:rPr lang="en-US" b="0" i="1" smtClean="0">
+                        <a:solidFill>
+                          <a:schemeClr val="tx1"/>
+                        </a:solidFill>
+                        <a:latin typeface="Cambria Math" panose="02040503050406030204" pitchFamily="18" charset="0"/>
+                        <a:ea typeface="Cambria Math" panose="02040503050406030204" pitchFamily="18" charset="0"/>
+                      </a:rPr>
+                      <m:t>1</m:t>
                     </m:r>
                   </m:oMath>
                 </a14:m>
@@ -6549,7 +6559,17 @@
                         <a:latin typeface="Cambria Math" panose="02040503050406030204" pitchFamily="18" charset="0"/>
                         <a:ea typeface="Cambria Math" panose="02040503050406030204" pitchFamily="18" charset="0"/>
                       </a:rPr>
-                      <m:t>+1</m:t>
+                      <m:t>+</m:t>
+                    </m:r>
+                    <m:r>
+                      <a:rPr lang="en-US" b="0" i="1" smtClean="0">
+                        <a:solidFill>
+                          <a:schemeClr val="tx1"/>
+                        </a:solidFill>
+                        <a:latin typeface="Cambria Math" panose="02040503050406030204" pitchFamily="18" charset="0"/>
+                        <a:ea typeface="Cambria Math" panose="02040503050406030204" pitchFamily="18" charset="0"/>
+                      </a:rPr>
+                      <m:t>1</m:t>
                     </m:r>
                   </m:oMath>
                 </a14:m>
@@ -8743,8 +8763,8 @@
           </a:p>
         </p:txBody>
       </p:sp>
-      <mc:AlternateContent xmlns:mc="http://schemas.openxmlformats.org/markup-compatibility/2006">
-        <mc:Choice xmlns:a14="http://schemas.microsoft.com/office/drawing/2010/main" Requires="a14">
+      <mc:AlternateContent xmlns:mc="http://schemas.openxmlformats.org/markup-compatibility/2006" xmlns:a14="http://schemas.microsoft.com/office/drawing/2010/main">
+        <mc:Choice Requires="a14">
           <p:sp>
             <p:nvSpPr>
               <p:cNvPr id="3" name="Content Placeholder 2">
@@ -9896,7 +9916,7 @@
             </p:txBody>
           </p:sp>
         </mc:Choice>
-        <mc:Fallback>
+        <mc:Fallback xmlns="">
           <p:sp>
             <p:nvSpPr>
               <p:cNvPr id="3" name="Content Placeholder 2">
@@ -9999,8 +10019,8 @@
           </a:p>
         </p:txBody>
       </p:sp>
-      <mc:AlternateContent xmlns:mc="http://schemas.openxmlformats.org/markup-compatibility/2006">
-        <mc:Choice xmlns:a14="http://schemas.microsoft.com/office/drawing/2010/main" Requires="a14">
+      <mc:AlternateContent xmlns:mc="http://schemas.openxmlformats.org/markup-compatibility/2006" xmlns:a14="http://schemas.microsoft.com/office/drawing/2010/main">
+        <mc:Choice Requires="a14">
           <p:sp>
             <p:nvSpPr>
               <p:cNvPr id="3" name="Content Placeholder 2">
@@ -10979,7 +10999,7 @@
             </p:txBody>
           </p:sp>
         </mc:Choice>
-        <mc:Fallback>
+        <mc:Fallback xmlns="">
           <p:sp>
             <p:nvSpPr>
               <p:cNvPr id="3" name="Content Placeholder 2">
@@ -11082,8 +11102,8 @@
           </a:p>
         </p:txBody>
       </p:sp>
-      <mc:AlternateContent xmlns:mc="http://schemas.openxmlformats.org/markup-compatibility/2006">
-        <mc:Choice xmlns:a14="http://schemas.microsoft.com/office/drawing/2010/main" Requires="a14">
+      <mc:AlternateContent xmlns:mc="http://schemas.openxmlformats.org/markup-compatibility/2006" xmlns:a14="http://schemas.microsoft.com/office/drawing/2010/main">
+        <mc:Choice Requires="a14">
           <p:sp>
             <p:nvSpPr>
               <p:cNvPr id="3" name="Content Placeholder 2">
@@ -11759,7 +11779,13 @@
                       <a:rPr lang="en-US" sz="2000" b="0" i="1" smtClean="0">
                         <a:latin typeface="Cambria Math" panose="02040503050406030204" pitchFamily="18" charset="0"/>
                       </a:rPr>
-                      <m:t>+1</m:t>
+                      <m:t>+</m:t>
+                    </m:r>
+                    <m:r>
+                      <a:rPr lang="en-US" sz="2000" b="0" i="1" smtClean="0">
+                        <a:latin typeface="Cambria Math" panose="02040503050406030204" pitchFamily="18" charset="0"/>
+                      </a:rPr>
+                      <m:t>1</m:t>
                     </m:r>
                   </m:oMath>
                 </a14:m>
@@ -11956,7 +11982,7 @@
             </p:txBody>
           </p:sp>
         </mc:Choice>
-        <mc:Fallback>
+        <mc:Fallback xmlns="">
           <p:sp>
             <p:nvSpPr>
               <p:cNvPr id="3" name="Content Placeholder 2">
@@ -12289,15 +12315,15 @@
                       <a:srgbClr val="FF0000"/>
                     </a:solidFill>
                   </a:rPr>
-                  <a:t>I.H.</a:t>
-                </a:r>
-                <a:r>
-                  <a:rPr lang="en-US" sz="2000" dirty="0">
-                    <a:solidFill>
-                      <a:schemeClr val="accent1"/>
-                    </a:solidFill>
-                  </a:rPr>
-                  <a:t>] 				---------(1)</a:t>
+                  <a:t>I.H.(P2)</a:t>
+                </a:r>
+                <a:r>
+                  <a:rPr lang="en-US" sz="2000" dirty="0">
+                    <a:solidFill>
+                      <a:schemeClr val="accent1"/>
+                    </a:solidFill>
+                  </a:rPr>
+                  <a:t>] 			---------(1)</a:t>
                 </a:r>
               </a:p>
               <a:p>
@@ -12539,15 +12565,15 @@
                       <a:srgbClr val="FF0000"/>
                     </a:solidFill>
                   </a:rPr>
-                  <a:t>I.H.</a:t>
-                </a:r>
-                <a:r>
-                  <a:rPr lang="en-US" sz="2000" dirty="0">
-                    <a:solidFill>
-                      <a:schemeClr val="accent1"/>
-                    </a:solidFill>
-                  </a:rPr>
-                  <a:t>] 				---------(3)</a:t>
+                  <a:t>I.H.(P1)</a:t>
+                </a:r>
+                <a:r>
+                  <a:rPr lang="en-US" sz="2000" dirty="0">
+                    <a:solidFill>
+                      <a:schemeClr val="accent1"/>
+                    </a:solidFill>
+                  </a:rPr>
+                  <a:t>] 			---------(3)</a:t>
                 </a:r>
               </a:p>
               <a:p>
@@ -13176,7 +13202,7 @@
             <p:spPr/>
             <p:txBody>
               <a:bodyPr>
-                <a:normAutofit lnSpcReduction="10000"/>
+                <a:normAutofit fontScale="92500" lnSpcReduction="10000"/>
               </a:bodyPr>
               <a:lstStyle/>
               <a:p>
@@ -13945,7 +13971,62 @@
                       <a:schemeClr val="accent1"/>
                     </a:solidFill>
                   </a:rPr>
-                  <a:t>.</a:t>
+                  <a:t>. (</a:t>
+                </a:r>
+                <a14:m>
+                  <m:oMath xmlns:m="http://schemas.openxmlformats.org/officeDocument/2006/math">
+                    <m:sSub>
+                      <m:sSubPr>
+                        <m:ctrlPr>
+                          <a:rPr lang="en-US" sz="2000" i="1">
+                            <a:latin typeface="Cambria Math" panose="02040503050406030204" pitchFamily="18" charset="0"/>
+                          </a:rPr>
+                        </m:ctrlPr>
+                      </m:sSubPr>
+                      <m:e>
+                        <m:r>
+                          <a:rPr lang="en-US" sz="2000" i="1">
+                            <a:latin typeface="Cambria Math" panose="02040503050406030204" pitchFamily="18" charset="0"/>
+                          </a:rPr>
+                          <m:t>𝑣</m:t>
+                        </m:r>
+                      </m:e>
+                      <m:sub>
+                        <m:r>
+                          <a:rPr lang="en-US" sz="2000" i="1">
+                            <a:latin typeface="Cambria Math" panose="02040503050406030204" pitchFamily="18" charset="0"/>
+                          </a:rPr>
+                          <m:t>0</m:t>
+                        </m:r>
+                      </m:sub>
+                    </m:sSub>
+                  </m:oMath>
+                </a14:m>
+                <a:r>
+                  <a:rPr lang="en-US" sz="2000" dirty="0">
+                    <a:solidFill>
+                      <a:schemeClr val="accent1"/>
+                    </a:solidFill>
+                  </a:rPr>
+                  <a:t> is not in </a:t>
+                </a:r>
+                <a14:m>
+                  <m:oMath xmlns:m="http://schemas.openxmlformats.org/officeDocument/2006/math">
+                    <m:r>
+                      <a:rPr lang="en-US" sz="2000" i="1">
+                        <a:latin typeface="Cambria Math" panose="02040503050406030204" pitchFamily="18" charset="0"/>
+                      </a:rPr>
+                      <m:t>𝑄</m:t>
+                    </m:r>
+                  </m:oMath>
+                </a14:m>
+                <a:r>
+                  <a:rPr lang="en-US" sz="2000" dirty="0">
+                    <a:solidFill>
+                      <a:schemeClr val="accent1"/>
+                    </a:solidFill>
+                  </a:rPr>
+                  <a:t> anymore.)</a:t>
                 </a:r>
               </a:p>
               <a:p>
@@ -14062,15 +14143,15 @@
                       <a:srgbClr val="FF0000"/>
                     </a:solidFill>
                   </a:rPr>
-                  <a:t>I.H.</a:t>
-                </a:r>
-                <a:r>
-                  <a:rPr lang="en-US" sz="2000" dirty="0">
-                    <a:solidFill>
-                      <a:schemeClr val="accent1"/>
-                    </a:solidFill>
-                  </a:rPr>
-                  <a:t>] 				---------(1)</a:t>
+                  <a:t>I.H.(P2)</a:t>
+                </a:r>
+                <a:r>
+                  <a:rPr lang="en-US" sz="2000" dirty="0">
+                    <a:solidFill>
+                      <a:schemeClr val="accent1"/>
+                    </a:solidFill>
+                  </a:rPr>
+                  <a:t>]				---------(1)</a:t>
                 </a:r>
               </a:p>
               <a:p>
@@ -14530,7 +14611,7 @@
               <a:blipFill>
                 <a:blip r:embed="rId2"/>
                 <a:stretch>
-                  <a:fillRect l="-638" t="-1961" b="-1120"/>
+                  <a:fillRect l="-580" t="-1821"/>
                 </a:stretch>
               </a:blipFill>
             </p:spPr>
@@ -14612,8 +14693,8 @@
           </a:p>
         </p:txBody>
       </p:sp>
-      <mc:AlternateContent xmlns:mc="http://schemas.openxmlformats.org/markup-compatibility/2006" xmlns:a14="http://schemas.microsoft.com/office/drawing/2010/main">
-        <mc:Choice Requires="a14">
+      <mc:AlternateContent xmlns:mc="http://schemas.openxmlformats.org/markup-compatibility/2006">
+        <mc:Choice xmlns:a14="http://schemas.microsoft.com/office/drawing/2010/main" Requires="a14">
           <p:sp>
             <p:nvSpPr>
               <p:cNvPr id="3" name="Content Placeholder 2">
@@ -14755,7 +14836,13 @@
                       <a:rPr lang="en-US" sz="2000" b="0" i="1" smtClean="0">
                         <a:latin typeface="Cambria Math" panose="02040503050406030204" pitchFamily="18" charset="0"/>
                       </a:rPr>
-                      <m:t>+1</m:t>
+                      <m:t>+</m:t>
+                    </m:r>
+                    <m:r>
+                      <a:rPr lang="en-US" sz="2000" b="0" i="1" smtClean="0">
+                        <a:latin typeface="Cambria Math" panose="02040503050406030204" pitchFamily="18" charset="0"/>
+                      </a:rPr>
+                      <m:t>1</m:t>
                     </m:r>
                   </m:oMath>
                 </a14:m>
@@ -14765,7 +14852,7 @@
                       <a:schemeClr val="accent1"/>
                     </a:solidFill>
                   </a:rPr>
-                  <a:t> 			</a:t>
+                  <a:t> 		</a:t>
                 </a:r>
                 <a:r>
                   <a:rPr lang="en-US" sz="2000" dirty="0">
@@ -14781,15 +14868,15 @@
                       <a:srgbClr val="FF0000"/>
                     </a:solidFill>
                   </a:rPr>
-                  <a:t>I.H.</a:t>
-                </a:r>
-                <a:r>
-                  <a:rPr lang="en-US" sz="2000" dirty="0">
-                    <a:solidFill>
-                      <a:schemeClr val="accent1"/>
-                    </a:solidFill>
-                  </a:rPr>
-                  <a:t>] 			---------(1)</a:t>
+                  <a:t>I.H.(P1)</a:t>
+                </a:r>
+                <a:r>
+                  <a:rPr lang="en-US" sz="2000" dirty="0">
+                    <a:solidFill>
+                      <a:schemeClr val="accent1"/>
+                    </a:solidFill>
+                  </a:rPr>
+                  <a:t>]			---------(1)</a:t>
                 </a:r>
               </a:p>
               <a:p>
@@ -14876,7 +14963,13 @@
                           <a:rPr lang="en-US" sz="2000" b="0" i="1" smtClean="0">
                             <a:latin typeface="Cambria Math" panose="02040503050406030204" pitchFamily="18" charset="0"/>
                           </a:rPr>
-                          <m:t>+1</m:t>
+                          <m:t>+</m:t>
+                        </m:r>
+                        <m:r>
+                          <a:rPr lang="en-US" sz="2000" b="0" i="1" smtClean="0">
+                            <a:latin typeface="Cambria Math" panose="02040503050406030204" pitchFamily="18" charset="0"/>
+                          </a:rPr>
+                          <m:t>1</m:t>
                         </m:r>
                       </m:sub>
                     </m:sSub>
@@ -14900,7 +14993,7 @@
                       <a:schemeClr val="accent1"/>
                     </a:solidFill>
                   </a:rPr>
-                  <a:t> 				</a:t>
+                  <a:t> 			</a:t>
                 </a:r>
                 <a:r>
                   <a:rPr lang="en-US" sz="2000" dirty="0">
@@ -14909,6 +15002,14 @@
                     </a:solidFill>
                   </a:rPr>
                   <a:t>[</a:t>
+                </a:r>
+                <a:r>
+                  <a:rPr lang="en-US" sz="2000" b="1" i="1" dirty="0">
+                    <a:solidFill>
+                      <a:srgbClr val="FF0000"/>
+                    </a:solidFill>
+                  </a:rPr>
+                  <a:t>Line 15:</a:t>
                 </a:r>
                 <a14:m>
                   <m:oMath xmlns:m="http://schemas.openxmlformats.org/officeDocument/2006/math">
@@ -14939,7 +15040,13 @@
                           <a:rPr lang="en-US" sz="2000" i="1">
                             <a:latin typeface="Cambria Math" panose="02040503050406030204" pitchFamily="18" charset="0"/>
                           </a:rPr>
-                          <m:t>+1</m:t>
+                          <m:t>+</m:t>
+                        </m:r>
+                        <m:r>
+                          <a:rPr lang="en-US" sz="2000" i="1">
+                            <a:latin typeface="Cambria Math" panose="02040503050406030204" pitchFamily="18" charset="0"/>
+                          </a:rPr>
+                          <m:t>1</m:t>
                         </m:r>
                       </m:sub>
                     </m:sSub>
@@ -15002,17 +15109,23 @@
                       <a:rPr lang="en-US" sz="2000" i="1">
                         <a:latin typeface="Cambria Math" panose="02040503050406030204" pitchFamily="18" charset="0"/>
                       </a:rPr>
-                      <m:t>+1</m:t>
-                    </m:r>
-                  </m:oMath>
-                </a14:m>
-                <a:r>
-                  <a:rPr lang="en-US" sz="2000" dirty="0">
-                    <a:solidFill>
-                      <a:schemeClr val="accent1"/>
-                    </a:solidFill>
-                  </a:rPr>
-                  <a:t>]          ---------(2)</a:t>
+                      <m:t>+</m:t>
+                    </m:r>
+                    <m:r>
+                      <a:rPr lang="en-US" sz="2000" i="1">
+                        <a:latin typeface="Cambria Math" panose="02040503050406030204" pitchFamily="18" charset="0"/>
+                      </a:rPr>
+                      <m:t>1</m:t>
+                    </m:r>
+                  </m:oMath>
+                </a14:m>
+                <a:r>
+                  <a:rPr lang="en-US" sz="2000" dirty="0">
+                    <a:solidFill>
+                      <a:schemeClr val="accent1"/>
+                    </a:solidFill>
+                  </a:rPr>
+                  <a:t>]           ---------(2)</a:t>
                 </a:r>
               </a:p>
               <a:p>
@@ -15410,7 +15523,13 @@
                           <a:rPr lang="en-US" sz="2000" i="1">
                             <a:latin typeface="Cambria Math" panose="02040503050406030204" pitchFamily="18" charset="0"/>
                           </a:rPr>
-                          <m:t>+1</m:t>
+                          <m:t>+</m:t>
+                        </m:r>
+                        <m:r>
+                          <a:rPr lang="en-US" sz="2000" i="1">
+                            <a:latin typeface="Cambria Math" panose="02040503050406030204" pitchFamily="18" charset="0"/>
+                          </a:rPr>
+                          <m:t>1</m:t>
                         </m:r>
                       </m:sub>
                     </m:sSub>
@@ -15668,7 +15787,7 @@
             </p:txBody>
           </p:sp>
         </mc:Choice>
-        <mc:Fallback xmlns="">
+        <mc:Fallback>
           <p:sp>
             <p:nvSpPr>
               <p:cNvPr id="3" name="Content Placeholder 2">
@@ -15771,8 +15890,8 @@
           </a:p>
         </p:txBody>
       </p:sp>
-      <mc:AlternateContent xmlns:mc="http://schemas.openxmlformats.org/markup-compatibility/2006">
-        <mc:Choice xmlns:a14="http://schemas.microsoft.com/office/drawing/2010/main" Requires="a14">
+      <mc:AlternateContent xmlns:mc="http://schemas.openxmlformats.org/markup-compatibility/2006" xmlns:a14="http://schemas.microsoft.com/office/drawing/2010/main">
+        <mc:Choice Requires="a14">
           <p:sp>
             <p:nvSpPr>
               <p:cNvPr id="3" name="Content Placeholder 2">
@@ -16843,7 +16962,7 @@
             </p:txBody>
           </p:sp>
         </mc:Choice>
-        <mc:Fallback>
+        <mc:Fallback xmlns="">
           <p:sp>
             <p:nvSpPr>
               <p:cNvPr id="3" name="Content Placeholder 2">
@@ -16946,8 +17065,8 @@
           </a:p>
         </p:txBody>
       </p:sp>
-      <mc:AlternateContent xmlns:mc="http://schemas.openxmlformats.org/markup-compatibility/2006" xmlns:a14="http://schemas.microsoft.com/office/drawing/2010/main">
-        <mc:Choice Requires="a14">
+      <mc:AlternateContent xmlns:mc="http://schemas.openxmlformats.org/markup-compatibility/2006">
+        <mc:Choice xmlns:a14="http://schemas.microsoft.com/office/drawing/2010/main" Requires="a14">
           <p:sp>
             <p:nvSpPr>
               <p:cNvPr id="3" name="Content Placeholder 2">
@@ -17331,7 +17450,7 @@
                         </a:solidFill>
                         <a:latin typeface="Cambria Math" panose="02040503050406030204" pitchFamily="18" charset="0"/>
                       </a:rPr>
-                      <m:t>𝑢</m:t>
+                      <m:t>𝑣</m:t>
                     </m:r>
                   </m:oMath>
                 </a14:m>
@@ -17993,21 +18112,21 @@
                       <m:t>=</m:t>
                     </m:r>
                     <m:r>
-                      <a:rPr lang="en-US" sz="3500" i="1">
+                      <a:rPr lang="en-US" sz="3500" i="1" smtClean="0">
                         <a:latin typeface="Cambria Math" panose="02040503050406030204" pitchFamily="18" charset="0"/>
                         <a:ea typeface="Cambria Math" panose="02040503050406030204" pitchFamily="18" charset="0"/>
                       </a:rPr>
                       <m:t>𝑢</m:t>
                     </m:r>
                     <m:r>
-                      <a:rPr lang="en-US" sz="3500" i="1">
+                      <a:rPr lang="en-US" sz="3500" i="1" smtClean="0">
                         <a:latin typeface="Cambria Math" panose="02040503050406030204" pitchFamily="18" charset="0"/>
                         <a:ea typeface="Cambria Math" panose="02040503050406030204" pitchFamily="18" charset="0"/>
                       </a:rPr>
                       <m:t>.</m:t>
                     </m:r>
                     <m:r>
-                      <a:rPr lang="en-US" sz="3500" i="1">
+                      <a:rPr lang="en-US" sz="3500" i="1" smtClean="0">
                         <a:latin typeface="Cambria Math" panose="02040503050406030204" pitchFamily="18" charset="0"/>
                         <a:ea typeface="Cambria Math" panose="02040503050406030204" pitchFamily="18" charset="0"/>
                       </a:rPr>
@@ -18117,7 +18236,7 @@
             </p:txBody>
           </p:sp>
         </mc:Choice>
-        <mc:Fallback xmlns="">
+        <mc:Fallback>
           <p:sp>
             <p:nvSpPr>
               <p:cNvPr id="3" name="Content Placeholder 2">
@@ -18931,8 +19050,8 @@
           </a:p>
         </p:txBody>
       </p:sp>
-      <mc:AlternateContent xmlns:mc="http://schemas.openxmlformats.org/markup-compatibility/2006">
-        <mc:Choice xmlns:a14="http://schemas.microsoft.com/office/drawing/2010/main" Requires="a14">
+      <mc:AlternateContent xmlns:mc="http://schemas.openxmlformats.org/markup-compatibility/2006" xmlns:a14="http://schemas.microsoft.com/office/drawing/2010/main">
+        <mc:Choice Requires="a14">
           <p:sp>
             <p:nvSpPr>
               <p:cNvPr id="3" name="Content Placeholder 2">
@@ -19877,7 +19996,7 @@
             </p:txBody>
           </p:sp>
         </mc:Choice>
-        <mc:Fallback>
+        <mc:Fallback xmlns="">
           <p:sp>
             <p:nvSpPr>
               <p:cNvPr id="3" name="Content Placeholder 2">
@@ -19980,8 +20099,8 @@
           </a:p>
         </p:txBody>
       </p:sp>
-      <mc:AlternateContent xmlns:mc="http://schemas.openxmlformats.org/markup-compatibility/2006">
-        <mc:Choice xmlns:a14="http://schemas.microsoft.com/office/drawing/2010/main" Requires="a14">
+      <mc:AlternateContent xmlns:mc="http://schemas.openxmlformats.org/markup-compatibility/2006" xmlns:a14="http://schemas.microsoft.com/office/drawing/2010/main">
+        <mc:Choice Requires="a14">
           <p:sp>
             <p:nvSpPr>
               <p:cNvPr id="3" name="Content Placeholder 2">
@@ -20371,7 +20490,14 @@
                         <a:latin typeface="Cambria Math" panose="02040503050406030204" pitchFamily="18" charset="0"/>
                         <a:ea typeface="Cambria Math" panose="02040503050406030204" pitchFamily="18" charset="0"/>
                       </a:rPr>
-                      <m:t>+1</m:t>
+                      <m:t>+</m:t>
+                    </m:r>
+                    <m:r>
+                      <a:rPr lang="en-US" sz="2000" b="0" i="1" smtClean="0">
+                        <a:latin typeface="Cambria Math" panose="02040503050406030204" pitchFamily="18" charset="0"/>
+                        <a:ea typeface="Cambria Math" panose="02040503050406030204" pitchFamily="18" charset="0"/>
+                      </a:rPr>
+                      <m:t>1</m:t>
                     </m:r>
                   </m:oMath>
                 </a14:m>
@@ -20650,7 +20776,7 @@
             </p:txBody>
           </p:sp>
         </mc:Choice>
-        <mc:Fallback>
+        <mc:Fallback xmlns="">
           <p:sp>
             <p:nvSpPr>
               <p:cNvPr id="3" name="Content Placeholder 2">
@@ -28200,7 +28326,13 @@
                       <a:rPr lang="en-US" b="0" i="1" smtClean="0">
                         <a:latin typeface="Cambria Math" panose="02040503050406030204" pitchFamily="18" charset="0"/>
                       </a:rPr>
-                      <m:t>+1</m:t>
+                      <m:t>+</m:t>
+                    </m:r>
+                    <m:r>
+                      <a:rPr lang="en-US" b="0" i="1" smtClean="0">
+                        <a:latin typeface="Cambria Math" panose="02040503050406030204" pitchFamily="18" charset="0"/>
+                      </a:rPr>
+                      <m:t>1</m:t>
                     </m:r>
                   </m:oMath>
                 </a14:m>
